--- a/config/E_Glass/comparison/Figures/New Microsoft PowerPoint Presentation.pptx
+++ b/config/E_Glass/comparison/Figures/New Microsoft PowerPoint Presentation.pptx
@@ -7,6 +7,8 @@
   <p:sldIdLst>
     <p:sldId id="256" r:id="rId2"/>
     <p:sldId id="257" r:id="rId3"/>
+    <p:sldId id="258" r:id="rId4"/>
+    <p:sldId id="259" r:id="rId5"/>
   </p:sldIdLst>
   <p:sldSz cx="12192000" cy="6858000"/>
   <p:notesSz cx="6858000" cy="9144000"/>
@@ -105,7 +107,16 @@
       </a:defRPr>
     </a:lvl9pPr>
   </p:defaultTextStyle>
+  <p:extLst>
+    <p:ext uri="{EFAFB233-063F-42B5-8137-9DF3F51BA10A}">
+      <p15:sldGuideLst xmlns:p15="http://schemas.microsoft.com/office/powerpoint/2012/main"/>
+    </p:ext>
+  </p:extLst>
 </p:presentation>
+</file>
+
+<file path=ppt/revisionInfo.xml><?xml version="1.0" encoding="utf-8"?>
+<p1510:revInfo xmlns:a="http://schemas.openxmlformats.org/drawingml/2006/main" xmlns:r="http://schemas.openxmlformats.org/officeDocument/2006/relationships" xmlns:p1510="http://schemas.microsoft.com/office/powerpoint/2015/10/main"/>
 </file>
 
 <file path=ppt/slideLayouts/slideLayout1.xml><?xml version="1.0" encoding="utf-8"?>
@@ -150,10 +161,9 @@
           </a:lstStyle>
           <a:p>
             <a:r>
-              <a:rPr lang="en-US" smtClean="0"/>
+              <a:rPr lang="en-US"/>
               <a:t>Click to edit Master title style</a:t>
             </a:r>
-            <a:endParaRPr lang="en-US"/>
           </a:p>
         </p:txBody>
       </p:sp>
@@ -215,10 +225,9 @@
           </a:lstStyle>
           <a:p>
             <a:r>
-              <a:rPr lang="en-US" smtClean="0"/>
+              <a:rPr lang="en-US"/>
               <a:t>Click to edit Master subtitle style</a:t>
             </a:r>
-            <a:endParaRPr lang="en-US"/>
           </a:p>
         </p:txBody>
       </p:sp>
@@ -239,7 +248,7 @@
           <a:p>
             <a:fld id="{68A6811B-26B8-4A48-A3ED-FFD89F3A6E60}" type="datetimeFigureOut">
               <a:rPr lang="en-US" smtClean="0"/>
-              <a:t>7/5/2018</a:t>
+              <a:t>7/6/2018</a:t>
             </a:fld>
             <a:endParaRPr lang="en-US"/>
           </a:p>
@@ -333,10 +342,9 @@
           <a:lstStyle/>
           <a:p>
             <a:r>
-              <a:rPr lang="en-US" smtClean="0"/>
+              <a:rPr lang="en-US"/>
               <a:t>Click to edit Master title style</a:t>
             </a:r>
-            <a:endParaRPr lang="en-US"/>
           </a:p>
         </p:txBody>
       </p:sp>
@@ -357,38 +365,37 @@
           <a:p>
             <a:pPr lvl="0"/>
             <a:r>
-              <a:rPr lang="en-US" smtClean="0"/>
+              <a:rPr lang="en-US"/>
               <a:t>Edit Master text styles</a:t>
             </a:r>
           </a:p>
           <a:p>
             <a:pPr lvl="1"/>
             <a:r>
-              <a:rPr lang="en-US" smtClean="0"/>
+              <a:rPr lang="en-US"/>
               <a:t>Second level</a:t>
             </a:r>
           </a:p>
           <a:p>
             <a:pPr lvl="2"/>
             <a:r>
-              <a:rPr lang="en-US" smtClean="0"/>
+              <a:rPr lang="en-US"/>
               <a:t>Third level</a:t>
             </a:r>
           </a:p>
           <a:p>
             <a:pPr lvl="3"/>
             <a:r>
-              <a:rPr lang="en-US" smtClean="0"/>
+              <a:rPr lang="en-US"/>
               <a:t>Fourth level</a:t>
             </a:r>
           </a:p>
           <a:p>
             <a:pPr lvl="4"/>
             <a:r>
-              <a:rPr lang="en-US" smtClean="0"/>
+              <a:rPr lang="en-US"/>
               <a:t>Fifth level</a:t>
             </a:r>
-            <a:endParaRPr lang="en-US"/>
           </a:p>
         </p:txBody>
       </p:sp>
@@ -409,7 +416,7 @@
           <a:p>
             <a:fld id="{68A6811B-26B8-4A48-A3ED-FFD89F3A6E60}" type="datetimeFigureOut">
               <a:rPr lang="en-US" smtClean="0"/>
-              <a:t>7/5/2018</a:t>
+              <a:t>7/6/2018</a:t>
             </a:fld>
             <a:endParaRPr lang="en-US"/>
           </a:p>
@@ -508,10 +515,9 @@
           <a:lstStyle/>
           <a:p>
             <a:r>
-              <a:rPr lang="en-US" smtClean="0"/>
+              <a:rPr lang="en-US"/>
               <a:t>Click to edit Master title style</a:t>
             </a:r>
-            <a:endParaRPr lang="en-US"/>
           </a:p>
         </p:txBody>
       </p:sp>
@@ -537,38 +543,37 @@
           <a:p>
             <a:pPr lvl="0"/>
             <a:r>
-              <a:rPr lang="en-US" smtClean="0"/>
+              <a:rPr lang="en-US"/>
               <a:t>Edit Master text styles</a:t>
             </a:r>
           </a:p>
           <a:p>
             <a:pPr lvl="1"/>
             <a:r>
-              <a:rPr lang="en-US" smtClean="0"/>
+              <a:rPr lang="en-US"/>
               <a:t>Second level</a:t>
             </a:r>
           </a:p>
           <a:p>
             <a:pPr lvl="2"/>
             <a:r>
-              <a:rPr lang="en-US" smtClean="0"/>
+              <a:rPr lang="en-US"/>
               <a:t>Third level</a:t>
             </a:r>
           </a:p>
           <a:p>
             <a:pPr lvl="3"/>
             <a:r>
-              <a:rPr lang="en-US" smtClean="0"/>
+              <a:rPr lang="en-US"/>
               <a:t>Fourth level</a:t>
             </a:r>
           </a:p>
           <a:p>
             <a:pPr lvl="4"/>
             <a:r>
-              <a:rPr lang="en-US" smtClean="0"/>
+              <a:rPr lang="en-US"/>
               <a:t>Fifth level</a:t>
             </a:r>
-            <a:endParaRPr lang="en-US"/>
           </a:p>
         </p:txBody>
       </p:sp>
@@ -589,7 +594,7 @@
           <a:p>
             <a:fld id="{68A6811B-26B8-4A48-A3ED-FFD89F3A6E60}" type="datetimeFigureOut">
               <a:rPr lang="en-US" smtClean="0"/>
-              <a:t>7/5/2018</a:t>
+              <a:t>7/6/2018</a:t>
             </a:fld>
             <a:endParaRPr lang="en-US"/>
           </a:p>
@@ -683,10 +688,9 @@
           <a:lstStyle/>
           <a:p>
             <a:r>
-              <a:rPr lang="en-US" smtClean="0"/>
+              <a:rPr lang="en-US"/>
               <a:t>Click to edit Master title style</a:t>
             </a:r>
-            <a:endParaRPr lang="en-US"/>
           </a:p>
         </p:txBody>
       </p:sp>
@@ -707,38 +711,37 @@
           <a:p>
             <a:pPr lvl="0"/>
             <a:r>
-              <a:rPr lang="en-US" smtClean="0"/>
+              <a:rPr lang="en-US"/>
               <a:t>Edit Master text styles</a:t>
             </a:r>
           </a:p>
           <a:p>
             <a:pPr lvl="1"/>
             <a:r>
-              <a:rPr lang="en-US" smtClean="0"/>
+              <a:rPr lang="en-US"/>
               <a:t>Second level</a:t>
             </a:r>
           </a:p>
           <a:p>
             <a:pPr lvl="2"/>
             <a:r>
-              <a:rPr lang="en-US" smtClean="0"/>
+              <a:rPr lang="en-US"/>
               <a:t>Third level</a:t>
             </a:r>
           </a:p>
           <a:p>
             <a:pPr lvl="3"/>
             <a:r>
-              <a:rPr lang="en-US" smtClean="0"/>
+              <a:rPr lang="en-US"/>
               <a:t>Fourth level</a:t>
             </a:r>
           </a:p>
           <a:p>
             <a:pPr lvl="4"/>
             <a:r>
-              <a:rPr lang="en-US" smtClean="0"/>
+              <a:rPr lang="en-US"/>
               <a:t>Fifth level</a:t>
             </a:r>
-            <a:endParaRPr lang="en-US"/>
           </a:p>
         </p:txBody>
       </p:sp>
@@ -759,7 +762,7 @@
           <a:p>
             <a:fld id="{68A6811B-26B8-4A48-A3ED-FFD89F3A6E60}" type="datetimeFigureOut">
               <a:rPr lang="en-US" smtClean="0"/>
-              <a:t>7/5/2018</a:t>
+              <a:t>7/6/2018</a:t>
             </a:fld>
             <a:endParaRPr lang="en-US"/>
           </a:p>
@@ -862,10 +865,9 @@
           </a:lstStyle>
           <a:p>
             <a:r>
-              <a:rPr lang="en-US" smtClean="0"/>
+              <a:rPr lang="en-US"/>
               <a:t>Click to edit Master title style</a:t>
             </a:r>
-            <a:endParaRPr lang="en-US"/>
           </a:p>
         </p:txBody>
       </p:sp>
@@ -982,7 +984,7 @@
           <a:p>
             <a:pPr lvl="0"/>
             <a:r>
-              <a:rPr lang="en-US" smtClean="0"/>
+              <a:rPr lang="en-US"/>
               <a:t>Edit Master text styles</a:t>
             </a:r>
           </a:p>
@@ -1005,7 +1007,7 @@
           <a:p>
             <a:fld id="{68A6811B-26B8-4A48-A3ED-FFD89F3A6E60}" type="datetimeFigureOut">
               <a:rPr lang="en-US" smtClean="0"/>
-              <a:t>7/5/2018</a:t>
+              <a:t>7/6/2018</a:t>
             </a:fld>
             <a:endParaRPr lang="en-US"/>
           </a:p>
@@ -1099,10 +1101,9 @@
           <a:lstStyle/>
           <a:p>
             <a:r>
-              <a:rPr lang="en-US" smtClean="0"/>
+              <a:rPr lang="en-US"/>
               <a:t>Click to edit Master title style</a:t>
             </a:r>
-            <a:endParaRPr lang="en-US"/>
           </a:p>
         </p:txBody>
       </p:sp>
@@ -1128,38 +1129,37 @@
           <a:p>
             <a:pPr lvl="0"/>
             <a:r>
-              <a:rPr lang="en-US" smtClean="0"/>
+              <a:rPr lang="en-US"/>
               <a:t>Edit Master text styles</a:t>
             </a:r>
           </a:p>
           <a:p>
             <a:pPr lvl="1"/>
             <a:r>
-              <a:rPr lang="en-US" smtClean="0"/>
+              <a:rPr lang="en-US"/>
               <a:t>Second level</a:t>
             </a:r>
           </a:p>
           <a:p>
             <a:pPr lvl="2"/>
             <a:r>
-              <a:rPr lang="en-US" smtClean="0"/>
+              <a:rPr lang="en-US"/>
               <a:t>Third level</a:t>
             </a:r>
           </a:p>
           <a:p>
             <a:pPr lvl="3"/>
             <a:r>
-              <a:rPr lang="en-US" smtClean="0"/>
+              <a:rPr lang="en-US"/>
               <a:t>Fourth level</a:t>
             </a:r>
           </a:p>
           <a:p>
             <a:pPr lvl="4"/>
             <a:r>
-              <a:rPr lang="en-US" smtClean="0"/>
+              <a:rPr lang="en-US"/>
               <a:t>Fifth level</a:t>
             </a:r>
-            <a:endParaRPr lang="en-US"/>
           </a:p>
         </p:txBody>
       </p:sp>
@@ -1185,38 +1185,37 @@
           <a:p>
             <a:pPr lvl="0"/>
             <a:r>
-              <a:rPr lang="en-US" smtClean="0"/>
+              <a:rPr lang="en-US"/>
               <a:t>Edit Master text styles</a:t>
             </a:r>
           </a:p>
           <a:p>
             <a:pPr lvl="1"/>
             <a:r>
-              <a:rPr lang="en-US" smtClean="0"/>
+              <a:rPr lang="en-US"/>
               <a:t>Second level</a:t>
             </a:r>
           </a:p>
           <a:p>
             <a:pPr lvl="2"/>
             <a:r>
-              <a:rPr lang="en-US" smtClean="0"/>
+              <a:rPr lang="en-US"/>
               <a:t>Third level</a:t>
             </a:r>
           </a:p>
           <a:p>
             <a:pPr lvl="3"/>
             <a:r>
-              <a:rPr lang="en-US" smtClean="0"/>
+              <a:rPr lang="en-US"/>
               <a:t>Fourth level</a:t>
             </a:r>
           </a:p>
           <a:p>
             <a:pPr lvl="4"/>
             <a:r>
-              <a:rPr lang="en-US" smtClean="0"/>
+              <a:rPr lang="en-US"/>
               <a:t>Fifth level</a:t>
             </a:r>
-            <a:endParaRPr lang="en-US"/>
           </a:p>
         </p:txBody>
       </p:sp>
@@ -1237,7 +1236,7 @@
           <a:p>
             <a:fld id="{68A6811B-26B8-4A48-A3ED-FFD89F3A6E60}" type="datetimeFigureOut">
               <a:rPr lang="en-US" smtClean="0"/>
-              <a:t>7/5/2018</a:t>
+              <a:t>7/6/2018</a:t>
             </a:fld>
             <a:endParaRPr lang="en-US"/>
           </a:p>
@@ -1336,10 +1335,9 @@
           <a:lstStyle/>
           <a:p>
             <a:r>
-              <a:rPr lang="en-US" smtClean="0"/>
+              <a:rPr lang="en-US"/>
               <a:t>Click to edit Master title style</a:t>
             </a:r>
-            <a:endParaRPr lang="en-US"/>
           </a:p>
         </p:txBody>
       </p:sp>
@@ -1402,7 +1400,7 @@
           <a:p>
             <a:pPr lvl="0"/>
             <a:r>
-              <a:rPr lang="en-US" smtClean="0"/>
+              <a:rPr lang="en-US"/>
               <a:t>Edit Master text styles</a:t>
             </a:r>
           </a:p>
@@ -1430,38 +1428,37 @@
           <a:p>
             <a:pPr lvl="0"/>
             <a:r>
-              <a:rPr lang="en-US" smtClean="0"/>
+              <a:rPr lang="en-US"/>
               <a:t>Edit Master text styles</a:t>
             </a:r>
           </a:p>
           <a:p>
             <a:pPr lvl="1"/>
             <a:r>
-              <a:rPr lang="en-US" smtClean="0"/>
+              <a:rPr lang="en-US"/>
               <a:t>Second level</a:t>
             </a:r>
           </a:p>
           <a:p>
             <a:pPr lvl="2"/>
             <a:r>
-              <a:rPr lang="en-US" smtClean="0"/>
+              <a:rPr lang="en-US"/>
               <a:t>Third level</a:t>
             </a:r>
           </a:p>
           <a:p>
             <a:pPr lvl="3"/>
             <a:r>
-              <a:rPr lang="en-US" smtClean="0"/>
+              <a:rPr lang="en-US"/>
               <a:t>Fourth level</a:t>
             </a:r>
           </a:p>
           <a:p>
             <a:pPr lvl="4"/>
             <a:r>
-              <a:rPr lang="en-US" smtClean="0"/>
+              <a:rPr lang="en-US"/>
               <a:t>Fifth level</a:t>
             </a:r>
-            <a:endParaRPr lang="en-US"/>
           </a:p>
         </p:txBody>
       </p:sp>
@@ -1524,7 +1521,7 @@
           <a:p>
             <a:pPr lvl="0"/>
             <a:r>
-              <a:rPr lang="en-US" smtClean="0"/>
+              <a:rPr lang="en-US"/>
               <a:t>Edit Master text styles</a:t>
             </a:r>
           </a:p>
@@ -1552,38 +1549,37 @@
           <a:p>
             <a:pPr lvl="0"/>
             <a:r>
-              <a:rPr lang="en-US" smtClean="0"/>
+              <a:rPr lang="en-US"/>
               <a:t>Edit Master text styles</a:t>
             </a:r>
           </a:p>
           <a:p>
             <a:pPr lvl="1"/>
             <a:r>
-              <a:rPr lang="en-US" smtClean="0"/>
+              <a:rPr lang="en-US"/>
               <a:t>Second level</a:t>
             </a:r>
           </a:p>
           <a:p>
             <a:pPr lvl="2"/>
             <a:r>
-              <a:rPr lang="en-US" smtClean="0"/>
+              <a:rPr lang="en-US"/>
               <a:t>Third level</a:t>
             </a:r>
           </a:p>
           <a:p>
             <a:pPr lvl="3"/>
             <a:r>
-              <a:rPr lang="en-US" smtClean="0"/>
+              <a:rPr lang="en-US"/>
               <a:t>Fourth level</a:t>
             </a:r>
           </a:p>
           <a:p>
             <a:pPr lvl="4"/>
             <a:r>
-              <a:rPr lang="en-US" smtClean="0"/>
+              <a:rPr lang="en-US"/>
               <a:t>Fifth level</a:t>
             </a:r>
-            <a:endParaRPr lang="en-US"/>
           </a:p>
         </p:txBody>
       </p:sp>
@@ -1604,7 +1600,7 @@
           <a:p>
             <a:fld id="{68A6811B-26B8-4A48-A3ED-FFD89F3A6E60}" type="datetimeFigureOut">
               <a:rPr lang="en-US" smtClean="0"/>
-              <a:t>7/5/2018</a:t>
+              <a:t>7/6/2018</a:t>
             </a:fld>
             <a:endParaRPr lang="en-US"/>
           </a:p>
@@ -1698,10 +1694,9 @@
           <a:lstStyle/>
           <a:p>
             <a:r>
-              <a:rPr lang="en-US" smtClean="0"/>
+              <a:rPr lang="en-US"/>
               <a:t>Click to edit Master title style</a:t>
             </a:r>
-            <a:endParaRPr lang="en-US"/>
           </a:p>
         </p:txBody>
       </p:sp>
@@ -1722,7 +1717,7 @@
           <a:p>
             <a:fld id="{68A6811B-26B8-4A48-A3ED-FFD89F3A6E60}" type="datetimeFigureOut">
               <a:rPr lang="en-US" smtClean="0"/>
-              <a:t>7/5/2018</a:t>
+              <a:t>7/6/2018</a:t>
             </a:fld>
             <a:endParaRPr lang="en-US"/>
           </a:p>
@@ -1817,7 +1812,7 @@
           <a:p>
             <a:fld id="{68A6811B-26B8-4A48-A3ED-FFD89F3A6E60}" type="datetimeFigureOut">
               <a:rPr lang="en-US" smtClean="0"/>
-              <a:t>7/5/2018</a:t>
+              <a:t>7/6/2018</a:t>
             </a:fld>
             <a:endParaRPr lang="en-US"/>
           </a:p>
@@ -1920,10 +1915,9 @@
           </a:lstStyle>
           <a:p>
             <a:r>
-              <a:rPr lang="en-US" smtClean="0"/>
+              <a:rPr lang="en-US"/>
               <a:t>Click to edit Master title style</a:t>
             </a:r>
-            <a:endParaRPr lang="en-US"/>
           </a:p>
         </p:txBody>
       </p:sp>
@@ -1977,38 +1971,37 @@
           <a:p>
             <a:pPr lvl="0"/>
             <a:r>
-              <a:rPr lang="en-US" smtClean="0"/>
+              <a:rPr lang="en-US"/>
               <a:t>Edit Master text styles</a:t>
             </a:r>
           </a:p>
           <a:p>
             <a:pPr lvl="1"/>
             <a:r>
-              <a:rPr lang="en-US" smtClean="0"/>
+              <a:rPr lang="en-US"/>
               <a:t>Second level</a:t>
             </a:r>
           </a:p>
           <a:p>
             <a:pPr lvl="2"/>
             <a:r>
-              <a:rPr lang="en-US" smtClean="0"/>
+              <a:rPr lang="en-US"/>
               <a:t>Third level</a:t>
             </a:r>
           </a:p>
           <a:p>
             <a:pPr lvl="3"/>
             <a:r>
-              <a:rPr lang="en-US" smtClean="0"/>
+              <a:rPr lang="en-US"/>
               <a:t>Fourth level</a:t>
             </a:r>
           </a:p>
           <a:p>
             <a:pPr lvl="4"/>
             <a:r>
-              <a:rPr lang="en-US" smtClean="0"/>
+              <a:rPr lang="en-US"/>
               <a:t>Fifth level</a:t>
             </a:r>
-            <a:endParaRPr lang="en-US"/>
           </a:p>
         </p:txBody>
       </p:sp>
@@ -2071,7 +2064,7 @@
           <a:p>
             <a:pPr lvl="0"/>
             <a:r>
-              <a:rPr lang="en-US" smtClean="0"/>
+              <a:rPr lang="en-US"/>
               <a:t>Edit Master text styles</a:t>
             </a:r>
           </a:p>
@@ -2094,7 +2087,7 @@
           <a:p>
             <a:fld id="{68A6811B-26B8-4A48-A3ED-FFD89F3A6E60}" type="datetimeFigureOut">
               <a:rPr lang="en-US" smtClean="0"/>
-              <a:t>7/5/2018</a:t>
+              <a:t>7/6/2018</a:t>
             </a:fld>
             <a:endParaRPr lang="en-US"/>
           </a:p>
@@ -2197,10 +2190,9 @@
           </a:lstStyle>
           <a:p>
             <a:r>
-              <a:rPr lang="en-US" smtClean="0"/>
+              <a:rPr lang="en-US"/>
               <a:t>Click to edit Master title style</a:t>
             </a:r>
-            <a:endParaRPr lang="en-US"/>
           </a:p>
         </p:txBody>
       </p:sp>
@@ -2324,7 +2316,7 @@
           <a:p>
             <a:pPr lvl="0"/>
             <a:r>
-              <a:rPr lang="en-US" smtClean="0"/>
+              <a:rPr lang="en-US"/>
               <a:t>Edit Master text styles</a:t>
             </a:r>
           </a:p>
@@ -2347,7 +2339,7 @@
           <a:p>
             <a:fld id="{68A6811B-26B8-4A48-A3ED-FFD89F3A6E60}" type="datetimeFigureOut">
               <a:rPr lang="en-US" smtClean="0"/>
-              <a:t>7/5/2018</a:t>
+              <a:t>7/6/2018</a:t>
             </a:fld>
             <a:endParaRPr lang="en-US"/>
           </a:p>
@@ -2456,10 +2448,9 @@
           <a:lstStyle/>
           <a:p>
             <a:r>
-              <a:rPr lang="en-US" smtClean="0"/>
+              <a:rPr lang="en-US"/>
               <a:t>Click to edit Master title style</a:t>
             </a:r>
-            <a:endParaRPr lang="en-US"/>
           </a:p>
         </p:txBody>
       </p:sp>
@@ -2490,38 +2481,37 @@
           <a:p>
             <a:pPr lvl="0"/>
             <a:r>
-              <a:rPr lang="en-US" smtClean="0"/>
+              <a:rPr lang="en-US"/>
               <a:t>Edit Master text styles</a:t>
             </a:r>
           </a:p>
           <a:p>
             <a:pPr lvl="1"/>
             <a:r>
-              <a:rPr lang="en-US" smtClean="0"/>
+              <a:rPr lang="en-US"/>
               <a:t>Second level</a:t>
             </a:r>
           </a:p>
           <a:p>
             <a:pPr lvl="2"/>
             <a:r>
-              <a:rPr lang="en-US" smtClean="0"/>
+              <a:rPr lang="en-US"/>
               <a:t>Third level</a:t>
             </a:r>
           </a:p>
           <a:p>
             <a:pPr lvl="3"/>
             <a:r>
-              <a:rPr lang="en-US" smtClean="0"/>
+              <a:rPr lang="en-US"/>
               <a:t>Fourth level</a:t>
             </a:r>
           </a:p>
           <a:p>
             <a:pPr lvl="4"/>
             <a:r>
-              <a:rPr lang="en-US" smtClean="0"/>
+              <a:rPr lang="en-US"/>
               <a:t>Fifth level</a:t>
             </a:r>
-            <a:endParaRPr lang="en-US"/>
           </a:p>
         </p:txBody>
       </p:sp>
@@ -2560,7 +2550,7 @@
           <a:p>
             <a:fld id="{68A6811B-26B8-4A48-A3ED-FFD89F3A6E60}" type="datetimeFigureOut">
               <a:rPr lang="en-US" smtClean="0"/>
-              <a:t>7/5/2018</a:t>
+              <a:t>7/6/2018</a:t>
             </a:fld>
             <a:endParaRPr lang="en-US"/>
           </a:p>
@@ -3138,16 +3128,12 @@
             <a:p>
               <a:pPr algn="ctr"/>
               <a:r>
-                <a:rPr lang="en-US" sz="2400" dirty="0" smtClean="0">
+                <a:rPr lang="en-US" sz="2400" dirty="0">
                   <a:latin typeface="Times New Roman" panose="02020603050405020304" pitchFamily="18" charset="0"/>
                   <a:cs typeface="Times New Roman" panose="02020603050405020304" pitchFamily="18" charset="0"/>
                 </a:rPr>
                 <a:t>(a)</a:t>
               </a:r>
-              <a:endParaRPr lang="en-US" sz="2400" dirty="0">
-                <a:latin typeface="Times New Roman" panose="02020603050405020304" pitchFamily="18" charset="0"/>
-                <a:cs typeface="Times New Roman" panose="02020603050405020304" pitchFamily="18" charset="0"/>
-              </a:endParaRPr>
             </a:p>
           </p:txBody>
         </p:sp>
@@ -3175,16 +3161,12 @@
             <a:p>
               <a:pPr algn="ctr"/>
               <a:r>
-                <a:rPr lang="en-US" sz="2400" dirty="0" smtClean="0">
+                <a:rPr lang="en-US" sz="2400" dirty="0">
                   <a:latin typeface="Times New Roman" panose="02020603050405020304" pitchFamily="18" charset="0"/>
                   <a:cs typeface="Times New Roman" panose="02020603050405020304" pitchFamily="18" charset="0"/>
                 </a:rPr>
                 <a:t>(b)</a:t>
               </a:r>
-              <a:endParaRPr lang="en-US" sz="2400" dirty="0">
-                <a:latin typeface="Times New Roman" panose="02020603050405020304" pitchFamily="18" charset="0"/>
-                <a:cs typeface="Times New Roman" panose="02020603050405020304" pitchFamily="18" charset="0"/>
-              </a:endParaRPr>
             </a:p>
           </p:txBody>
         </p:sp>
@@ -3212,16 +3194,12 @@
             <a:p>
               <a:pPr algn="ctr"/>
               <a:r>
-                <a:rPr lang="en-US" sz="2400" dirty="0" smtClean="0">
+                <a:rPr lang="en-US" sz="2400" dirty="0">
                   <a:latin typeface="Times New Roman" panose="02020603050405020304" pitchFamily="18" charset="0"/>
                   <a:cs typeface="Times New Roman" panose="02020603050405020304" pitchFamily="18" charset="0"/>
                 </a:rPr>
                 <a:t>(c)</a:t>
               </a:r>
-              <a:endParaRPr lang="en-US" sz="2400" dirty="0">
-                <a:latin typeface="Times New Roman" panose="02020603050405020304" pitchFamily="18" charset="0"/>
-                <a:cs typeface="Times New Roman" panose="02020603050405020304" pitchFamily="18" charset="0"/>
-              </a:endParaRPr>
             </a:p>
           </p:txBody>
         </p:sp>
@@ -3249,16 +3227,12 @@
             <a:p>
               <a:pPr algn="ctr"/>
               <a:r>
-                <a:rPr lang="en-US" sz="2400" dirty="0" smtClean="0">
+                <a:rPr lang="en-US" sz="2400" dirty="0">
                   <a:latin typeface="Times New Roman" panose="02020603050405020304" pitchFamily="18" charset="0"/>
                   <a:cs typeface="Times New Roman" panose="02020603050405020304" pitchFamily="18" charset="0"/>
                 </a:rPr>
                 <a:t>(d)</a:t>
               </a:r>
-              <a:endParaRPr lang="en-US" sz="2400" dirty="0">
-                <a:latin typeface="Times New Roman" panose="02020603050405020304" pitchFamily="18" charset="0"/>
-                <a:cs typeface="Times New Roman" panose="02020603050405020304" pitchFamily="18" charset="0"/>
-              </a:endParaRPr>
             </a:p>
           </p:txBody>
         </p:sp>
@@ -3286,23 +3260,19 @@
             <a:p>
               <a:pPr algn="ctr"/>
               <a:r>
-                <a:rPr lang="en-US" sz="2000" dirty="0" smtClean="0">
+                <a:rPr lang="en-US" sz="2000" dirty="0">
                   <a:latin typeface="Times New Roman" panose="02020603050405020304" pitchFamily="18" charset="0"/>
                   <a:cs typeface="Times New Roman" panose="02020603050405020304" pitchFamily="18" charset="0"/>
                 </a:rPr>
                 <a:t>10 kW/m</a:t>
               </a:r>
               <a:r>
-                <a:rPr lang="en-US" sz="2000" baseline="30000" dirty="0" smtClean="0">
+                <a:rPr lang="en-US" sz="2000" baseline="30000" dirty="0">
                   <a:latin typeface="Times New Roman" panose="02020603050405020304" pitchFamily="18" charset="0"/>
                   <a:cs typeface="Times New Roman" panose="02020603050405020304" pitchFamily="18" charset="0"/>
                 </a:rPr>
                 <a:t>2</a:t>
               </a:r>
-              <a:endParaRPr lang="en-US" sz="2000" baseline="30000" dirty="0">
-                <a:latin typeface="Times New Roman" panose="02020603050405020304" pitchFamily="18" charset="0"/>
-                <a:cs typeface="Times New Roman" panose="02020603050405020304" pitchFamily="18" charset="0"/>
-              </a:endParaRPr>
             </a:p>
           </p:txBody>
         </p:sp>
@@ -3330,23 +3300,19 @@
             <a:p>
               <a:pPr algn="ctr"/>
               <a:r>
-                <a:rPr lang="en-US" sz="2000" dirty="0" smtClean="0">
+                <a:rPr lang="en-US" sz="2000" dirty="0">
                   <a:latin typeface="Times New Roman" panose="02020603050405020304" pitchFamily="18" charset="0"/>
                   <a:cs typeface="Times New Roman" panose="02020603050405020304" pitchFamily="18" charset="0"/>
                 </a:rPr>
                 <a:t>50 kW/m</a:t>
               </a:r>
               <a:r>
-                <a:rPr lang="en-US" sz="2000" baseline="30000" dirty="0" smtClean="0">
+                <a:rPr lang="en-US" sz="2000" baseline="30000" dirty="0">
                   <a:latin typeface="Times New Roman" panose="02020603050405020304" pitchFamily="18" charset="0"/>
                   <a:cs typeface="Times New Roman" panose="02020603050405020304" pitchFamily="18" charset="0"/>
                 </a:rPr>
                 <a:t>2</a:t>
               </a:r>
-              <a:endParaRPr lang="en-US" sz="2000" baseline="30000" dirty="0">
-                <a:latin typeface="Times New Roman" panose="02020603050405020304" pitchFamily="18" charset="0"/>
-                <a:cs typeface="Times New Roman" panose="02020603050405020304" pitchFamily="18" charset="0"/>
-              </a:endParaRPr>
             </a:p>
           </p:txBody>
         </p:sp>
@@ -3374,23 +3340,19 @@
             <a:p>
               <a:pPr algn="ctr"/>
               <a:r>
-                <a:rPr lang="en-US" sz="2000" dirty="0" smtClean="0">
+                <a:rPr lang="en-US" sz="2000" dirty="0">
                   <a:latin typeface="Times New Roman" panose="02020603050405020304" pitchFamily="18" charset="0"/>
                   <a:cs typeface="Times New Roman" panose="02020603050405020304" pitchFamily="18" charset="0"/>
                 </a:rPr>
                 <a:t>75 kW/m</a:t>
               </a:r>
               <a:r>
-                <a:rPr lang="en-US" sz="2000" baseline="30000" dirty="0" smtClean="0">
+                <a:rPr lang="en-US" sz="2000" baseline="30000" dirty="0">
                   <a:latin typeface="Times New Roman" panose="02020603050405020304" pitchFamily="18" charset="0"/>
                   <a:cs typeface="Times New Roman" panose="02020603050405020304" pitchFamily="18" charset="0"/>
                 </a:rPr>
                 <a:t>2</a:t>
               </a:r>
-              <a:endParaRPr lang="en-US" sz="2000" baseline="30000" dirty="0">
-                <a:latin typeface="Times New Roman" panose="02020603050405020304" pitchFamily="18" charset="0"/>
-                <a:cs typeface="Times New Roman" panose="02020603050405020304" pitchFamily="18" charset="0"/>
-              </a:endParaRPr>
             </a:p>
           </p:txBody>
         </p:sp>
@@ -3418,23 +3380,19 @@
             <a:p>
               <a:pPr algn="ctr"/>
               <a:r>
-                <a:rPr lang="en-US" sz="2000" dirty="0" smtClean="0">
+                <a:rPr lang="en-US" sz="2000" dirty="0">
                   <a:latin typeface="Times New Roman" panose="02020603050405020304" pitchFamily="18" charset="0"/>
                   <a:cs typeface="Times New Roman" panose="02020603050405020304" pitchFamily="18" charset="0"/>
                 </a:rPr>
                 <a:t>100 kW/m</a:t>
               </a:r>
               <a:r>
-                <a:rPr lang="en-US" sz="2000" baseline="30000" dirty="0" smtClean="0">
+                <a:rPr lang="en-US" sz="2000" baseline="30000" dirty="0">
                   <a:latin typeface="Times New Roman" panose="02020603050405020304" pitchFamily="18" charset="0"/>
                   <a:cs typeface="Times New Roman" panose="02020603050405020304" pitchFamily="18" charset="0"/>
                 </a:rPr>
                 <a:t>2</a:t>
               </a:r>
-              <a:endParaRPr lang="en-US" sz="2000" baseline="30000" dirty="0">
-                <a:latin typeface="Times New Roman" panose="02020603050405020304" pitchFamily="18" charset="0"/>
-                <a:cs typeface="Times New Roman" panose="02020603050405020304" pitchFamily="18" charset="0"/>
-              </a:endParaRPr>
             </a:p>
           </p:txBody>
         </p:sp>
@@ -3642,16 +3600,12 @@
             <a:p>
               <a:pPr algn="ctr"/>
               <a:r>
-                <a:rPr lang="en-US" sz="2400" dirty="0" smtClean="0">
+                <a:rPr lang="en-US" sz="2400" dirty="0">
                   <a:latin typeface="Times New Roman" panose="02020603050405020304" pitchFamily="18" charset="0"/>
                   <a:cs typeface="Times New Roman" panose="02020603050405020304" pitchFamily="18" charset="0"/>
                 </a:rPr>
                 <a:t>(a)</a:t>
               </a:r>
-              <a:endParaRPr lang="en-US" sz="2400" dirty="0">
-                <a:latin typeface="Times New Roman" panose="02020603050405020304" pitchFamily="18" charset="0"/>
-                <a:cs typeface="Times New Roman" panose="02020603050405020304" pitchFamily="18" charset="0"/>
-              </a:endParaRPr>
             </a:p>
           </p:txBody>
         </p:sp>
@@ -3679,16 +3633,12 @@
             <a:p>
               <a:pPr algn="ctr"/>
               <a:r>
-                <a:rPr lang="en-US" sz="2400" dirty="0" smtClean="0">
+                <a:rPr lang="en-US" sz="2400" dirty="0">
                   <a:latin typeface="Times New Roman" panose="02020603050405020304" pitchFamily="18" charset="0"/>
                   <a:cs typeface="Times New Roman" panose="02020603050405020304" pitchFamily="18" charset="0"/>
                 </a:rPr>
                 <a:t>(b)</a:t>
               </a:r>
-              <a:endParaRPr lang="en-US" sz="2400" dirty="0">
-                <a:latin typeface="Times New Roman" panose="02020603050405020304" pitchFamily="18" charset="0"/>
-                <a:cs typeface="Times New Roman" panose="02020603050405020304" pitchFamily="18" charset="0"/>
-              </a:endParaRPr>
             </a:p>
           </p:txBody>
         </p:sp>
@@ -3716,16 +3666,12 @@
             <a:p>
               <a:pPr algn="ctr"/>
               <a:r>
-                <a:rPr lang="en-US" sz="2400" dirty="0" smtClean="0">
+                <a:rPr lang="en-US" sz="2400" dirty="0">
                   <a:latin typeface="Times New Roman" panose="02020603050405020304" pitchFamily="18" charset="0"/>
                   <a:cs typeface="Times New Roman" panose="02020603050405020304" pitchFamily="18" charset="0"/>
                 </a:rPr>
                 <a:t>(c)</a:t>
               </a:r>
-              <a:endParaRPr lang="en-US" sz="2400" dirty="0">
-                <a:latin typeface="Times New Roman" panose="02020603050405020304" pitchFamily="18" charset="0"/>
-                <a:cs typeface="Times New Roman" panose="02020603050405020304" pitchFamily="18" charset="0"/>
-              </a:endParaRPr>
             </a:p>
           </p:txBody>
         </p:sp>
@@ -3753,16 +3699,12 @@
             <a:p>
               <a:pPr algn="ctr"/>
               <a:r>
-                <a:rPr lang="en-US" sz="2400" dirty="0" smtClean="0">
+                <a:rPr lang="en-US" sz="2400" dirty="0">
                   <a:latin typeface="Times New Roman" panose="02020603050405020304" pitchFamily="18" charset="0"/>
                   <a:cs typeface="Times New Roman" panose="02020603050405020304" pitchFamily="18" charset="0"/>
                 </a:rPr>
                 <a:t>(d)</a:t>
               </a:r>
-              <a:endParaRPr lang="en-US" sz="2400" dirty="0">
-                <a:latin typeface="Times New Roman" panose="02020603050405020304" pitchFamily="18" charset="0"/>
-                <a:cs typeface="Times New Roman" panose="02020603050405020304" pitchFamily="18" charset="0"/>
-              </a:endParaRPr>
             </a:p>
           </p:txBody>
         </p:sp>
@@ -3790,23 +3732,19 @@
             <a:p>
               <a:pPr algn="ctr"/>
               <a:r>
-                <a:rPr lang="en-US" sz="2000" dirty="0" smtClean="0">
+                <a:rPr lang="en-US" sz="2000" dirty="0">
                   <a:latin typeface="Times New Roman" panose="02020603050405020304" pitchFamily="18" charset="0"/>
                   <a:cs typeface="Times New Roman" panose="02020603050405020304" pitchFamily="18" charset="0"/>
                 </a:rPr>
                 <a:t>10 kW/m</a:t>
               </a:r>
               <a:r>
-                <a:rPr lang="en-US" sz="2000" baseline="30000" dirty="0" smtClean="0">
+                <a:rPr lang="en-US" sz="2000" baseline="30000" dirty="0">
                   <a:latin typeface="Times New Roman" panose="02020603050405020304" pitchFamily="18" charset="0"/>
                   <a:cs typeface="Times New Roman" panose="02020603050405020304" pitchFamily="18" charset="0"/>
                 </a:rPr>
                 <a:t>2</a:t>
               </a:r>
-              <a:endParaRPr lang="en-US" sz="2000" baseline="30000" dirty="0">
-                <a:latin typeface="Times New Roman" panose="02020603050405020304" pitchFamily="18" charset="0"/>
-                <a:cs typeface="Times New Roman" panose="02020603050405020304" pitchFamily="18" charset="0"/>
-              </a:endParaRPr>
             </a:p>
           </p:txBody>
         </p:sp>
@@ -3834,23 +3772,19 @@
             <a:p>
               <a:pPr algn="ctr"/>
               <a:r>
-                <a:rPr lang="en-US" sz="2000" dirty="0" smtClean="0">
+                <a:rPr lang="en-US" sz="2000" dirty="0">
                   <a:latin typeface="Times New Roman" panose="02020603050405020304" pitchFamily="18" charset="0"/>
                   <a:cs typeface="Times New Roman" panose="02020603050405020304" pitchFamily="18" charset="0"/>
                 </a:rPr>
                 <a:t>50 kW/m</a:t>
               </a:r>
               <a:r>
-                <a:rPr lang="en-US" sz="2000" baseline="30000" dirty="0" smtClean="0">
+                <a:rPr lang="en-US" sz="2000" baseline="30000" dirty="0">
                   <a:latin typeface="Times New Roman" panose="02020603050405020304" pitchFamily="18" charset="0"/>
                   <a:cs typeface="Times New Roman" panose="02020603050405020304" pitchFamily="18" charset="0"/>
                 </a:rPr>
                 <a:t>2</a:t>
               </a:r>
-              <a:endParaRPr lang="en-US" sz="2000" baseline="30000" dirty="0">
-                <a:latin typeface="Times New Roman" panose="02020603050405020304" pitchFamily="18" charset="0"/>
-                <a:cs typeface="Times New Roman" panose="02020603050405020304" pitchFamily="18" charset="0"/>
-              </a:endParaRPr>
             </a:p>
           </p:txBody>
         </p:sp>
@@ -3878,23 +3812,19 @@
             <a:p>
               <a:pPr algn="ctr"/>
               <a:r>
-                <a:rPr lang="en-US" sz="2000" dirty="0" smtClean="0">
+                <a:rPr lang="en-US" sz="2000" dirty="0">
                   <a:latin typeface="Times New Roman" panose="02020603050405020304" pitchFamily="18" charset="0"/>
                   <a:cs typeface="Times New Roman" panose="02020603050405020304" pitchFamily="18" charset="0"/>
                 </a:rPr>
                 <a:t>75 kW/m</a:t>
               </a:r>
               <a:r>
-                <a:rPr lang="en-US" sz="2000" baseline="30000" dirty="0" smtClean="0">
+                <a:rPr lang="en-US" sz="2000" baseline="30000" dirty="0">
                   <a:latin typeface="Times New Roman" panose="02020603050405020304" pitchFamily="18" charset="0"/>
                   <a:cs typeface="Times New Roman" panose="02020603050405020304" pitchFamily="18" charset="0"/>
                 </a:rPr>
                 <a:t>2</a:t>
               </a:r>
-              <a:endParaRPr lang="en-US" sz="2000" baseline="30000" dirty="0">
-                <a:latin typeface="Times New Roman" panose="02020603050405020304" pitchFamily="18" charset="0"/>
-                <a:cs typeface="Times New Roman" panose="02020603050405020304" pitchFamily="18" charset="0"/>
-              </a:endParaRPr>
             </a:p>
           </p:txBody>
         </p:sp>
@@ -3922,23 +3852,19 @@
             <a:p>
               <a:pPr algn="ctr"/>
               <a:r>
-                <a:rPr lang="en-US" sz="2000" dirty="0" smtClean="0">
+                <a:rPr lang="en-US" sz="2000" dirty="0">
                   <a:latin typeface="Times New Roman" panose="02020603050405020304" pitchFamily="18" charset="0"/>
                   <a:cs typeface="Times New Roman" panose="02020603050405020304" pitchFamily="18" charset="0"/>
                 </a:rPr>
                 <a:t>100 kW/m</a:t>
               </a:r>
               <a:r>
-                <a:rPr lang="en-US" sz="2000" baseline="30000" dirty="0" smtClean="0">
+                <a:rPr lang="en-US" sz="2000" baseline="30000" dirty="0">
                   <a:latin typeface="Times New Roman" panose="02020603050405020304" pitchFamily="18" charset="0"/>
                   <a:cs typeface="Times New Roman" panose="02020603050405020304" pitchFamily="18" charset="0"/>
                 </a:rPr>
                 <a:t>2</a:t>
               </a:r>
-              <a:endParaRPr lang="en-US" sz="2000" baseline="30000" dirty="0">
-                <a:latin typeface="Times New Roman" panose="02020603050405020304" pitchFamily="18" charset="0"/>
-                <a:cs typeface="Times New Roman" panose="02020603050405020304" pitchFamily="18" charset="0"/>
-              </a:endParaRPr>
             </a:p>
           </p:txBody>
         </p:sp>
@@ -3947,6 +3873,634 @@
     <p:extLst>
       <p:ext uri="{BB962C8B-B14F-4D97-AF65-F5344CB8AC3E}">
         <p14:creationId xmlns:p14="http://schemas.microsoft.com/office/powerpoint/2010/main" val="1942138118"/>
+      </p:ext>
+    </p:extLst>
+  </p:cSld>
+  <p:clrMapOvr>
+    <a:masterClrMapping/>
+  </p:clrMapOvr>
+</p:sld>
+</file>
+
+<file path=ppt/slides/slide3.xml><?xml version="1.0" encoding="utf-8"?>
+<p:sld xmlns:a="http://schemas.openxmlformats.org/drawingml/2006/main" xmlns:r="http://schemas.openxmlformats.org/officeDocument/2006/relationships" xmlns:p="http://schemas.openxmlformats.org/presentationml/2006/main">
+  <p:cSld>
+    <p:spTree>
+      <p:nvGrpSpPr>
+        <p:cNvPr id="1" name=""/>
+        <p:cNvGrpSpPr/>
+        <p:nvPr/>
+      </p:nvGrpSpPr>
+      <p:grpSpPr>
+        <a:xfrm>
+          <a:off x="0" y="0"/>
+          <a:ext cx="0" cy="0"/>
+          <a:chOff x="0" y="0"/>
+          <a:chExt cx="0" cy="0"/>
+        </a:xfrm>
+      </p:grpSpPr>
+      <p:grpSp>
+        <p:nvGrpSpPr>
+          <p:cNvPr id="13" name="Group 12">
+            <a:extLst>
+              <a:ext uri="{FF2B5EF4-FFF2-40B4-BE49-F238E27FC236}">
+                <a16:creationId xmlns:a16="http://schemas.microsoft.com/office/drawing/2014/main" id="{3FB2ACCC-BD1C-493C-9B18-48548356A313}"/>
+              </a:ext>
+            </a:extLst>
+          </p:cNvPr>
+          <p:cNvGrpSpPr/>
+          <p:nvPr/>
+        </p:nvGrpSpPr>
+        <p:grpSpPr>
+          <a:xfrm>
+            <a:off x="353285" y="1069103"/>
+            <a:ext cx="11434643" cy="4572010"/>
+            <a:chOff x="353285" y="1069103"/>
+            <a:chExt cx="11434643" cy="4572010"/>
+          </a:xfrm>
+        </p:grpSpPr>
+        <p:grpSp>
+          <p:nvGrpSpPr>
+            <p:cNvPr id="8" name="Group 7">
+              <a:extLst>
+                <a:ext uri="{FF2B5EF4-FFF2-40B4-BE49-F238E27FC236}">
+                  <a16:creationId xmlns:a16="http://schemas.microsoft.com/office/drawing/2014/main" id="{54821D7B-C893-42EB-90C0-CE0816148A2E}"/>
+                </a:ext>
+              </a:extLst>
+            </p:cNvPr>
+            <p:cNvGrpSpPr/>
+            <p:nvPr/>
+          </p:nvGrpSpPr>
+          <p:grpSpPr>
+            <a:xfrm>
+              <a:off x="353285" y="1069103"/>
+              <a:ext cx="11434643" cy="4572010"/>
+              <a:chOff x="-173187" y="838194"/>
+              <a:chExt cx="11434643" cy="4572010"/>
+            </a:xfrm>
+          </p:grpSpPr>
+          <p:pic>
+            <p:nvPicPr>
+              <p:cNvPr id="5" name="Picture 4">
+                <a:extLst>
+                  <a:ext uri="{FF2B5EF4-FFF2-40B4-BE49-F238E27FC236}">
+                    <a16:creationId xmlns:a16="http://schemas.microsoft.com/office/drawing/2014/main" id="{48120ED1-362F-4836-92AC-ACA4C4F55B32}"/>
+                  </a:ext>
+                </a:extLst>
+              </p:cNvPr>
+              <p:cNvPicPr>
+                <a:picLocks noChangeAspect="1"/>
+              </p:cNvPicPr>
+              <p:nvPr/>
+            </p:nvPicPr>
+            <p:blipFill>
+              <a:blip r:embed="rId2" cstate="print">
+                <a:extLst>
+                  <a:ext uri="{28A0092B-C50C-407E-A947-70E740481C1C}">
+                    <a14:useLocalDpi xmlns:a14="http://schemas.microsoft.com/office/drawing/2010/main" val="0"/>
+                  </a:ext>
+                </a:extLst>
+              </a:blip>
+              <a:stretch>
+                <a:fillRect/>
+              </a:stretch>
+            </p:blipFill>
+            <p:spPr>
+              <a:xfrm>
+                <a:off x="5317844" y="838194"/>
+                <a:ext cx="5943612" cy="4572009"/>
+              </a:xfrm>
+              <a:prstGeom prst="rect">
+                <a:avLst/>
+              </a:prstGeom>
+            </p:spPr>
+          </p:pic>
+          <p:pic>
+            <p:nvPicPr>
+              <p:cNvPr id="7" name="Picture 6">
+                <a:extLst>
+                  <a:ext uri="{FF2B5EF4-FFF2-40B4-BE49-F238E27FC236}">
+                    <a16:creationId xmlns:a16="http://schemas.microsoft.com/office/drawing/2014/main" id="{96E0D8FB-F140-4A4A-BE5B-77E7B1F90376}"/>
+                  </a:ext>
+                </a:extLst>
+              </p:cNvPr>
+              <p:cNvPicPr>
+                <a:picLocks noChangeAspect="1"/>
+              </p:cNvPicPr>
+              <p:nvPr/>
+            </p:nvPicPr>
+            <p:blipFill>
+              <a:blip r:embed="rId3" cstate="print">
+                <a:extLst>
+                  <a:ext uri="{28A0092B-C50C-407E-A947-70E740481C1C}">
+                    <a14:useLocalDpi xmlns:a14="http://schemas.microsoft.com/office/drawing/2010/main" val="0"/>
+                  </a:ext>
+                </a:extLst>
+              </a:blip>
+              <a:stretch>
+                <a:fillRect/>
+              </a:stretch>
+            </p:blipFill>
+            <p:spPr>
+              <a:xfrm>
+                <a:off x="-173187" y="838195"/>
+                <a:ext cx="5943612" cy="4572009"/>
+              </a:xfrm>
+              <a:prstGeom prst="rect">
+                <a:avLst/>
+              </a:prstGeom>
+            </p:spPr>
+          </p:pic>
+        </p:grpSp>
+        <p:sp>
+          <p:nvSpPr>
+            <p:cNvPr id="9" name="TextBox 8">
+              <a:extLst>
+                <a:ext uri="{FF2B5EF4-FFF2-40B4-BE49-F238E27FC236}">
+                  <a16:creationId xmlns:a16="http://schemas.microsoft.com/office/drawing/2014/main" id="{8B8F52D5-6CB4-4942-8151-4D957244E201}"/>
+                </a:ext>
+              </a:extLst>
+            </p:cNvPr>
+            <p:cNvSpPr txBox="1"/>
+            <p:nvPr/>
+          </p:nvSpPr>
+          <p:spPr>
+            <a:xfrm>
+              <a:off x="1200914" y="1221104"/>
+              <a:ext cx="691661" cy="461665"/>
+            </a:xfrm>
+            <a:prstGeom prst="rect">
+              <a:avLst/>
+            </a:prstGeom>
+            <a:noFill/>
+          </p:spPr>
+          <p:txBody>
+            <a:bodyPr wrap="square" rtlCol="0">
+              <a:spAutoFit/>
+            </a:bodyPr>
+            <a:lstStyle/>
+            <a:p>
+              <a:pPr algn="ctr"/>
+              <a:r>
+                <a:rPr lang="en-US" sz="2400" dirty="0">
+                  <a:latin typeface="Times New Roman" panose="02020603050405020304" pitchFamily="18" charset="0"/>
+                  <a:cs typeface="Times New Roman" panose="02020603050405020304" pitchFamily="18" charset="0"/>
+                </a:rPr>
+                <a:t>(a)</a:t>
+              </a:r>
+            </a:p>
+          </p:txBody>
+        </p:sp>
+        <p:sp>
+          <p:nvSpPr>
+            <p:cNvPr id="10" name="TextBox 9">
+              <a:extLst>
+                <a:ext uri="{FF2B5EF4-FFF2-40B4-BE49-F238E27FC236}">
+                  <a16:creationId xmlns:a16="http://schemas.microsoft.com/office/drawing/2014/main" id="{E00FD490-AF46-48EA-B8B7-0ADC81C01ADB}"/>
+                </a:ext>
+              </a:extLst>
+            </p:cNvPr>
+            <p:cNvSpPr txBox="1"/>
+            <p:nvPr/>
+          </p:nvSpPr>
+          <p:spPr>
+            <a:xfrm>
+              <a:off x="6716015" y="1221104"/>
+              <a:ext cx="691661" cy="461665"/>
+            </a:xfrm>
+            <a:prstGeom prst="rect">
+              <a:avLst/>
+            </a:prstGeom>
+            <a:noFill/>
+          </p:spPr>
+          <p:txBody>
+            <a:bodyPr wrap="square" rtlCol="0">
+              <a:spAutoFit/>
+            </a:bodyPr>
+            <a:lstStyle/>
+            <a:p>
+              <a:pPr algn="ctr"/>
+              <a:r>
+                <a:rPr lang="en-US" sz="2400" dirty="0">
+                  <a:latin typeface="Times New Roman" panose="02020603050405020304" pitchFamily="18" charset="0"/>
+                  <a:cs typeface="Times New Roman" panose="02020603050405020304" pitchFamily="18" charset="0"/>
+                </a:rPr>
+                <a:t>(b)</a:t>
+              </a:r>
+            </a:p>
+          </p:txBody>
+        </p:sp>
+        <p:sp>
+          <p:nvSpPr>
+            <p:cNvPr id="11" name="TextBox 10">
+              <a:extLst>
+                <a:ext uri="{FF2B5EF4-FFF2-40B4-BE49-F238E27FC236}">
+                  <a16:creationId xmlns:a16="http://schemas.microsoft.com/office/drawing/2014/main" id="{CE67E81C-35B5-4966-89A5-6B606F796F09}"/>
+                </a:ext>
+              </a:extLst>
+            </p:cNvPr>
+            <p:cNvSpPr txBox="1"/>
+            <p:nvPr/>
+          </p:nvSpPr>
+          <p:spPr>
+            <a:xfrm>
+              <a:off x="4484843" y="3579092"/>
+              <a:ext cx="1503485" cy="400110"/>
+            </a:xfrm>
+            <a:prstGeom prst="rect">
+              <a:avLst/>
+            </a:prstGeom>
+            <a:noFill/>
+          </p:spPr>
+          <p:txBody>
+            <a:bodyPr wrap="square" rtlCol="0">
+              <a:spAutoFit/>
+            </a:bodyPr>
+            <a:lstStyle/>
+            <a:p>
+              <a:pPr algn="ctr"/>
+              <a:r>
+                <a:rPr lang="en-US" sz="2000" dirty="0">
+                  <a:latin typeface="Times New Roman" panose="02020603050405020304" pitchFamily="18" charset="0"/>
+                  <a:cs typeface="Times New Roman" panose="02020603050405020304" pitchFamily="18" charset="0"/>
+                </a:rPr>
+                <a:t>10 kW/m</a:t>
+              </a:r>
+              <a:r>
+                <a:rPr lang="en-US" sz="2000" baseline="30000" dirty="0">
+                  <a:latin typeface="Times New Roman" panose="02020603050405020304" pitchFamily="18" charset="0"/>
+                  <a:cs typeface="Times New Roman" panose="02020603050405020304" pitchFamily="18" charset="0"/>
+                </a:rPr>
+                <a:t>2</a:t>
+              </a:r>
+            </a:p>
+          </p:txBody>
+        </p:sp>
+        <p:sp>
+          <p:nvSpPr>
+            <p:cNvPr id="12" name="TextBox 11">
+              <a:extLst>
+                <a:ext uri="{FF2B5EF4-FFF2-40B4-BE49-F238E27FC236}">
+                  <a16:creationId xmlns:a16="http://schemas.microsoft.com/office/drawing/2014/main" id="{9D15B7A2-BCE8-4019-AB78-B8FCDD198391}"/>
+                </a:ext>
+              </a:extLst>
+            </p:cNvPr>
+            <p:cNvSpPr txBox="1"/>
+            <p:nvPr/>
+          </p:nvSpPr>
+          <p:spPr>
+            <a:xfrm>
+              <a:off x="10031290" y="3579092"/>
+              <a:ext cx="1503485" cy="400110"/>
+            </a:xfrm>
+            <a:prstGeom prst="rect">
+              <a:avLst/>
+            </a:prstGeom>
+            <a:noFill/>
+          </p:spPr>
+          <p:txBody>
+            <a:bodyPr wrap="square" rtlCol="0">
+              <a:spAutoFit/>
+            </a:bodyPr>
+            <a:lstStyle/>
+            <a:p>
+              <a:pPr algn="ctr"/>
+              <a:r>
+                <a:rPr lang="en-US" sz="2000" dirty="0">
+                  <a:latin typeface="Times New Roman" panose="02020603050405020304" pitchFamily="18" charset="0"/>
+                  <a:cs typeface="Times New Roman" panose="02020603050405020304" pitchFamily="18" charset="0"/>
+                </a:rPr>
+                <a:t>100 kW/m</a:t>
+              </a:r>
+              <a:r>
+                <a:rPr lang="en-US" sz="2000" baseline="30000" dirty="0">
+                  <a:latin typeface="Times New Roman" panose="02020603050405020304" pitchFamily="18" charset="0"/>
+                  <a:cs typeface="Times New Roman" panose="02020603050405020304" pitchFamily="18" charset="0"/>
+                </a:rPr>
+                <a:t>2</a:t>
+              </a:r>
+            </a:p>
+          </p:txBody>
+        </p:sp>
+      </p:grpSp>
+    </p:spTree>
+    <p:extLst>
+      <p:ext uri="{BB962C8B-B14F-4D97-AF65-F5344CB8AC3E}">
+        <p14:creationId xmlns:p14="http://schemas.microsoft.com/office/powerpoint/2010/main" val="310830792"/>
+      </p:ext>
+    </p:extLst>
+  </p:cSld>
+  <p:clrMapOvr>
+    <a:masterClrMapping/>
+  </p:clrMapOvr>
+</p:sld>
+</file>
+
+<file path=ppt/slides/slide4.xml><?xml version="1.0" encoding="utf-8"?>
+<p:sld xmlns:a="http://schemas.openxmlformats.org/drawingml/2006/main" xmlns:r="http://schemas.openxmlformats.org/officeDocument/2006/relationships" xmlns:p="http://schemas.openxmlformats.org/presentationml/2006/main">
+  <p:cSld>
+    <p:spTree>
+      <p:nvGrpSpPr>
+        <p:cNvPr id="1" name=""/>
+        <p:cNvGrpSpPr/>
+        <p:nvPr/>
+      </p:nvGrpSpPr>
+      <p:grpSpPr>
+        <a:xfrm>
+          <a:off x="0" y="0"/>
+          <a:ext cx="0" cy="0"/>
+          <a:chOff x="0" y="0"/>
+          <a:chExt cx="0" cy="0"/>
+        </a:xfrm>
+      </p:grpSpPr>
+      <p:grpSp>
+        <p:nvGrpSpPr>
+          <p:cNvPr id="13" name="Group 12">
+            <a:extLst>
+              <a:ext uri="{FF2B5EF4-FFF2-40B4-BE49-F238E27FC236}">
+                <a16:creationId xmlns:a16="http://schemas.microsoft.com/office/drawing/2014/main" id="{2C681195-F8D4-4569-86B1-A4F8BF8E28EF}"/>
+              </a:ext>
+            </a:extLst>
+          </p:cNvPr>
+          <p:cNvGrpSpPr/>
+          <p:nvPr/>
+        </p:nvGrpSpPr>
+        <p:grpSpPr>
+          <a:xfrm>
+            <a:off x="454885" y="1152230"/>
+            <a:ext cx="11439249" cy="4572009"/>
+            <a:chOff x="454885" y="1152230"/>
+            <a:chExt cx="11439249" cy="4572009"/>
+          </a:xfrm>
+        </p:grpSpPr>
+        <p:grpSp>
+          <p:nvGrpSpPr>
+            <p:cNvPr id="8" name="Group 7">
+              <a:extLst>
+                <a:ext uri="{FF2B5EF4-FFF2-40B4-BE49-F238E27FC236}">
+                  <a16:creationId xmlns:a16="http://schemas.microsoft.com/office/drawing/2014/main" id="{B7DF54AD-2154-412D-86BA-61069F90A297}"/>
+                </a:ext>
+              </a:extLst>
+            </p:cNvPr>
+            <p:cNvGrpSpPr/>
+            <p:nvPr/>
+          </p:nvGrpSpPr>
+          <p:grpSpPr>
+            <a:xfrm>
+              <a:off x="454885" y="1152230"/>
+              <a:ext cx="11439249" cy="4572009"/>
+              <a:chOff x="-173188" y="1142994"/>
+              <a:chExt cx="11439249" cy="4572009"/>
+            </a:xfrm>
+          </p:grpSpPr>
+          <p:pic>
+            <p:nvPicPr>
+              <p:cNvPr id="5" name="Picture 4">
+                <a:extLst>
+                  <a:ext uri="{FF2B5EF4-FFF2-40B4-BE49-F238E27FC236}">
+                    <a16:creationId xmlns:a16="http://schemas.microsoft.com/office/drawing/2014/main" id="{BA336E64-8DB1-4503-8A9D-2DE6316AD3BB}"/>
+                  </a:ext>
+                </a:extLst>
+              </p:cNvPr>
+              <p:cNvPicPr>
+                <a:picLocks noChangeAspect="1"/>
+              </p:cNvPicPr>
+              <p:nvPr/>
+            </p:nvPicPr>
+            <p:blipFill>
+              <a:blip r:embed="rId2" cstate="print">
+                <a:extLst>
+                  <a:ext uri="{28A0092B-C50C-407E-A947-70E740481C1C}">
+                    <a14:useLocalDpi xmlns:a14="http://schemas.microsoft.com/office/drawing/2010/main" val="0"/>
+                  </a:ext>
+                </a:extLst>
+              </a:blip>
+              <a:stretch>
+                <a:fillRect/>
+              </a:stretch>
+            </p:blipFill>
+            <p:spPr>
+              <a:xfrm>
+                <a:off x="5322449" y="1142994"/>
+                <a:ext cx="5943612" cy="4572009"/>
+              </a:xfrm>
+              <a:prstGeom prst="rect">
+                <a:avLst/>
+              </a:prstGeom>
+            </p:spPr>
+          </p:pic>
+          <p:pic>
+            <p:nvPicPr>
+              <p:cNvPr id="7" name="Picture 6">
+                <a:extLst>
+                  <a:ext uri="{FF2B5EF4-FFF2-40B4-BE49-F238E27FC236}">
+                    <a16:creationId xmlns:a16="http://schemas.microsoft.com/office/drawing/2014/main" id="{DD21245A-85F2-4C5F-8DC3-050F5095A504}"/>
+                  </a:ext>
+                </a:extLst>
+              </p:cNvPr>
+              <p:cNvPicPr>
+                <a:picLocks noChangeAspect="1"/>
+              </p:cNvPicPr>
+              <p:nvPr/>
+            </p:nvPicPr>
+            <p:blipFill>
+              <a:blip r:embed="rId3" cstate="print">
+                <a:extLst>
+                  <a:ext uri="{28A0092B-C50C-407E-A947-70E740481C1C}">
+                    <a14:useLocalDpi xmlns:a14="http://schemas.microsoft.com/office/drawing/2010/main" val="0"/>
+                  </a:ext>
+                </a:extLst>
+              </a:blip>
+              <a:stretch>
+                <a:fillRect/>
+              </a:stretch>
+            </p:blipFill>
+            <p:spPr>
+              <a:xfrm>
+                <a:off x="-173188" y="1142994"/>
+                <a:ext cx="5943612" cy="4572009"/>
+              </a:xfrm>
+              <a:prstGeom prst="rect">
+                <a:avLst/>
+              </a:prstGeom>
+            </p:spPr>
+          </p:pic>
+        </p:grpSp>
+        <p:sp>
+          <p:nvSpPr>
+            <p:cNvPr id="9" name="TextBox 8">
+              <a:extLst>
+                <a:ext uri="{FF2B5EF4-FFF2-40B4-BE49-F238E27FC236}">
+                  <a16:creationId xmlns:a16="http://schemas.microsoft.com/office/drawing/2014/main" id="{26448BB1-D56D-4415-83CA-785445ECB987}"/>
+                </a:ext>
+              </a:extLst>
+            </p:cNvPr>
+            <p:cNvSpPr txBox="1"/>
+            <p:nvPr/>
+          </p:nvSpPr>
+          <p:spPr>
+            <a:xfrm>
+              <a:off x="1284041" y="1313467"/>
+              <a:ext cx="691661" cy="461665"/>
+            </a:xfrm>
+            <a:prstGeom prst="rect">
+              <a:avLst/>
+            </a:prstGeom>
+            <a:noFill/>
+          </p:spPr>
+          <p:txBody>
+            <a:bodyPr wrap="square" rtlCol="0">
+              <a:spAutoFit/>
+            </a:bodyPr>
+            <a:lstStyle/>
+            <a:p>
+              <a:pPr algn="ctr"/>
+              <a:r>
+                <a:rPr lang="en-US" sz="2400" dirty="0">
+                  <a:latin typeface="Times New Roman" panose="02020603050405020304" pitchFamily="18" charset="0"/>
+                  <a:cs typeface="Times New Roman" panose="02020603050405020304" pitchFamily="18" charset="0"/>
+                </a:rPr>
+                <a:t>(a)</a:t>
+              </a:r>
+            </a:p>
+          </p:txBody>
+        </p:sp>
+        <p:sp>
+          <p:nvSpPr>
+            <p:cNvPr id="10" name="TextBox 9">
+              <a:extLst>
+                <a:ext uri="{FF2B5EF4-FFF2-40B4-BE49-F238E27FC236}">
+                  <a16:creationId xmlns:a16="http://schemas.microsoft.com/office/drawing/2014/main" id="{CB61D2A1-C3E7-487F-874D-A92DAC399A4F}"/>
+                </a:ext>
+              </a:extLst>
+            </p:cNvPr>
+            <p:cNvSpPr txBox="1"/>
+            <p:nvPr/>
+          </p:nvSpPr>
+          <p:spPr>
+            <a:xfrm>
+              <a:off x="6799142" y="1313467"/>
+              <a:ext cx="691661" cy="461665"/>
+            </a:xfrm>
+            <a:prstGeom prst="rect">
+              <a:avLst/>
+            </a:prstGeom>
+            <a:noFill/>
+          </p:spPr>
+          <p:txBody>
+            <a:bodyPr wrap="square" rtlCol="0">
+              <a:spAutoFit/>
+            </a:bodyPr>
+            <a:lstStyle/>
+            <a:p>
+              <a:pPr algn="ctr"/>
+              <a:r>
+                <a:rPr lang="en-US" sz="2400" dirty="0">
+                  <a:latin typeface="Times New Roman" panose="02020603050405020304" pitchFamily="18" charset="0"/>
+                  <a:cs typeface="Times New Roman" panose="02020603050405020304" pitchFamily="18" charset="0"/>
+                </a:rPr>
+                <a:t>(b)</a:t>
+              </a:r>
+            </a:p>
+          </p:txBody>
+        </p:sp>
+        <p:sp>
+          <p:nvSpPr>
+            <p:cNvPr id="11" name="TextBox 10">
+              <a:extLst>
+                <a:ext uri="{FF2B5EF4-FFF2-40B4-BE49-F238E27FC236}">
+                  <a16:creationId xmlns:a16="http://schemas.microsoft.com/office/drawing/2014/main" id="{804739CB-92A5-4CE4-BBC3-8A1C8CEE6998}"/>
+                </a:ext>
+              </a:extLst>
+            </p:cNvPr>
+            <p:cNvSpPr txBox="1"/>
+            <p:nvPr/>
+          </p:nvSpPr>
+          <p:spPr>
+            <a:xfrm>
+              <a:off x="4567970" y="3671455"/>
+              <a:ext cx="1503485" cy="400110"/>
+            </a:xfrm>
+            <a:prstGeom prst="rect">
+              <a:avLst/>
+            </a:prstGeom>
+            <a:noFill/>
+          </p:spPr>
+          <p:txBody>
+            <a:bodyPr wrap="square" rtlCol="0">
+              <a:spAutoFit/>
+            </a:bodyPr>
+            <a:lstStyle/>
+            <a:p>
+              <a:pPr algn="ctr"/>
+              <a:r>
+                <a:rPr lang="en-US" sz="2000" dirty="0">
+                  <a:latin typeface="Times New Roman" panose="02020603050405020304" pitchFamily="18" charset="0"/>
+                  <a:cs typeface="Times New Roman" panose="02020603050405020304" pitchFamily="18" charset="0"/>
+                </a:rPr>
+                <a:t>10 kW/m</a:t>
+              </a:r>
+              <a:r>
+                <a:rPr lang="en-US" sz="2000" baseline="30000" dirty="0">
+                  <a:latin typeface="Times New Roman" panose="02020603050405020304" pitchFamily="18" charset="0"/>
+                  <a:cs typeface="Times New Roman" panose="02020603050405020304" pitchFamily="18" charset="0"/>
+                </a:rPr>
+                <a:t>2</a:t>
+              </a:r>
+            </a:p>
+          </p:txBody>
+        </p:sp>
+        <p:sp>
+          <p:nvSpPr>
+            <p:cNvPr id="12" name="TextBox 11">
+              <a:extLst>
+                <a:ext uri="{FF2B5EF4-FFF2-40B4-BE49-F238E27FC236}">
+                  <a16:creationId xmlns:a16="http://schemas.microsoft.com/office/drawing/2014/main" id="{23646705-9EFA-4ABC-AADE-B9A4D17F1A3B}"/>
+                </a:ext>
+              </a:extLst>
+            </p:cNvPr>
+            <p:cNvSpPr txBox="1"/>
+            <p:nvPr/>
+          </p:nvSpPr>
+          <p:spPr>
+            <a:xfrm>
+              <a:off x="10114417" y="3671455"/>
+              <a:ext cx="1503485" cy="400110"/>
+            </a:xfrm>
+            <a:prstGeom prst="rect">
+              <a:avLst/>
+            </a:prstGeom>
+            <a:noFill/>
+          </p:spPr>
+          <p:txBody>
+            <a:bodyPr wrap="square" rtlCol="0">
+              <a:spAutoFit/>
+            </a:bodyPr>
+            <a:lstStyle/>
+            <a:p>
+              <a:pPr algn="ctr"/>
+              <a:r>
+                <a:rPr lang="en-US" sz="2000" dirty="0">
+                  <a:latin typeface="Times New Roman" panose="02020603050405020304" pitchFamily="18" charset="0"/>
+                  <a:cs typeface="Times New Roman" panose="02020603050405020304" pitchFamily="18" charset="0"/>
+                </a:rPr>
+                <a:t>100 kW/m</a:t>
+              </a:r>
+              <a:r>
+                <a:rPr lang="en-US" sz="2000" baseline="30000" dirty="0">
+                  <a:latin typeface="Times New Roman" panose="02020603050405020304" pitchFamily="18" charset="0"/>
+                  <a:cs typeface="Times New Roman" panose="02020603050405020304" pitchFamily="18" charset="0"/>
+                </a:rPr>
+                <a:t>2</a:t>
+              </a:r>
+            </a:p>
+          </p:txBody>
+        </p:sp>
+      </p:grpSp>
+    </p:spTree>
+    <p:extLst>
+      <p:ext uri="{BB962C8B-B14F-4D97-AF65-F5344CB8AC3E}">
+        <p14:creationId xmlns:p14="http://schemas.microsoft.com/office/powerpoint/2010/main" val="1212451082"/>
       </p:ext>
     </p:extLst>
   </p:cSld>
